--- a/Proseminarium_1.pptx
+++ b/Proseminarium_1.pptx
@@ -1412,11 +1412,7 @@
           <a:p>
             <a:r>
               <a:rPr lang="pl-PL" dirty="0" smtClean="0"/>
-              <a:t>Czym </a:t>
-            </a:r>
-            <a:r>
-              <a:rPr lang="pl-PL" dirty="0" smtClean="0"/>
-              <a:t>są</a:t>
+              <a:t>Czym są</a:t>
             </a:r>
             <a:r>
               <a:rPr lang="pl-PL" baseline="0" dirty="0" smtClean="0"/>
@@ -1424,11 +1420,7 @@
             </a:r>
             <a:r>
               <a:rPr lang="pl-PL" dirty="0" smtClean="0"/>
-              <a:t>? </a:t>
-            </a:r>
-            <a:r>
-              <a:rPr lang="pl-PL" dirty="0" smtClean="0"/>
-              <a:t>W prosty sposób ujmując jest to sposób inwestowania  uwzględniajacy wcześniej</a:t>
+              <a:t>? W prosty sposób ujmując jest to sposób inwestowania  uwzględniajacy wcześniej</a:t>
             </a:r>
             <a:r>
               <a:rPr lang="pl-PL" baseline="0" dirty="0" smtClean="0"/>
@@ -1641,7 +1633,11 @@
             </a:r>
             <a:r>
               <a:rPr lang="pl-PL" baseline="0" dirty="0" smtClean="0"/>
-              <a:t> wykorzystane przez systemy decyzyjne np sieci neuronowe które na ich podstawie będą się uczyły, również zame wyniki wskaznikow mogą byc interpretowane nie tylko wyniki strategii. Na podstawie dużej ilości danych prawodpodobnie bylibyśmy w stanie conajmniej wspomoć proces decyzyjny inwestora.</a:t>
+              <a:t> wykorzystane przez systemy decyzyjne np sieci neuronowe które na ich podstawie będą się uczyły, również zame wyniki wskaznikow mogą byc interpretowane nie tylko wyniki strategii. Na podstawie dużej ilości danych prawodpodobnie bylibyśmy w stanie conajmniej wspomoć proces decyzyjny inwestora</a:t>
+            </a:r>
+            <a:r>
+              <a:rPr lang="pl-PL" baseline="0" dirty="0" smtClean="0"/>
+              <a:t>. Ten aspekt wydaje się najciekawszy ponieważ kto by nie chciał mieć systemu ktory grałby skutecznie na giełdzie? Na ta chwilę nie wiem system decyzyjny wykorzystac . A może porownanie wybranych metod?</a:t>
             </a:r>
             <a:endParaRPr lang="pl-PL" dirty="0"/>
           </a:p>
@@ -9376,11 +9372,7 @@
           <a:p>
             <a:r>
               <a:rPr lang="pl-PL" dirty="0" smtClean="0"/>
-              <a:t>Wykorzystanie poprzednio zaimpolemetnowanych algorytmów przy wykorzystaniu systemów deycyzyjnch</a:t>
-            </a:r>
-            <a:r>
-              <a:rPr lang="pl-PL" dirty="0" smtClean="0"/>
-              <a:t>?</a:t>
+              <a:t>Wykorzystanie poprzednio zaimpolemetnowanych algorytmów przy wykorzystaniu systemów deycyzyjnch?</a:t>
             </a:r>
           </a:p>
           <a:p>
@@ -9392,13 +9384,17 @@
           <a:p>
             <a:r>
               <a:rPr lang="pl-PL" dirty="0" smtClean="0"/>
-              <a:t>Drzewa decyzyjne</a:t>
-            </a:r>
-          </a:p>
-          <a:p>
+              <a:t>Drzewa </a:t>
+            </a:r>
             <a:r>
               <a:rPr lang="pl-PL" dirty="0" smtClean="0"/>
-              <a:t>Systemy uczące się</a:t>
+              <a:t>decyzyjne</a:t>
+            </a:r>
+          </a:p>
+          <a:p>
+            <a:r>
+              <a:rPr lang="pl-PL" dirty="0" smtClean="0"/>
+              <a:t>Logika rozmyta</a:t>
             </a:r>
             <a:endParaRPr lang="pl-PL" dirty="0"/>
           </a:p>
@@ -10866,41 +10862,32 @@
           <a:p>
             <a:r>
               <a:rPr lang="pl-PL" dirty="0" smtClean="0"/>
-              <a:t>Analiza i zapoznanie się z wybranymi strategiami</a:t>
-            </a:r>
+              <a:t>Analiza i zapoznanie się z wybranymi strategiami.</a:t>
+            </a:r>
+          </a:p>
+          <a:p>
+            <a:endParaRPr lang="pl-PL" dirty="0" smtClean="0"/>
+          </a:p>
+          <a:p>
+            <a:endParaRPr lang="pl-PL" dirty="0"/>
+          </a:p>
+          <a:p>
+            <a:endParaRPr lang="pl-PL" dirty="0" smtClean="0"/>
+          </a:p>
+          <a:p>
+            <a:endParaRPr lang="pl-PL" dirty="0"/>
+          </a:p>
+          <a:p>
+            <a:endParaRPr lang="pl-PL" dirty="0" smtClean="0"/>
+          </a:p>
+          <a:p>
+            <a:endParaRPr lang="pl-PL" dirty="0" smtClean="0"/>
+          </a:p>
+          <a:p>
             <a:r>
               <a:rPr lang="pl-PL" dirty="0" smtClean="0"/>
-              <a:t>.</a:t>
-            </a:r>
-          </a:p>
-          <a:p>
-            <a:endParaRPr lang="pl-PL" dirty="0" smtClean="0"/>
-          </a:p>
-          <a:p>
-            <a:endParaRPr lang="pl-PL" dirty="0"/>
-          </a:p>
-          <a:p>
-            <a:endParaRPr lang="pl-PL" dirty="0" smtClean="0"/>
-          </a:p>
-          <a:p>
-            <a:endParaRPr lang="pl-PL" dirty="0"/>
-          </a:p>
-          <a:p>
-            <a:endParaRPr lang="pl-PL" dirty="0" smtClean="0"/>
-          </a:p>
-          <a:p>
-            <a:endParaRPr lang="pl-PL" dirty="0" smtClean="0"/>
-          </a:p>
-          <a:p>
-            <a:r>
-              <a:rPr lang="pl-PL" dirty="0" smtClean="0"/>
-              <a:t>Zaimplemetnowanie strategii i analiza </a:t>
-            </a:r>
-            <a:r>
-              <a:rPr lang="pl-PL" dirty="0" smtClean="0"/>
-              <a:t>algorytmów</a:t>
-            </a:r>
-            <a:endParaRPr lang="pl-PL" dirty="0" smtClean="0"/>
+              <a:t>Zaimplemetnowanie strategii i analiza algorytmów</a:t>
+            </a:r>
           </a:p>
           <a:p>
             <a:r>
